--- a/docs/NET ❤ Docker.pptx
+++ b/docs/NET ❤ Docker.pptx
@@ -5,56 +5,57 @@
     <p:sldMasterId id="2147483962" r:id="rId4"/>
   </p:sldMasterIdLst>
   <p:notesMasterIdLst>
-    <p:notesMasterId r:id="rId18"/>
+    <p:notesMasterId r:id="rId19"/>
   </p:notesMasterIdLst>
   <p:handoutMasterIdLst>
-    <p:handoutMasterId r:id="rId19"/>
+    <p:handoutMasterId r:id="rId20"/>
   </p:handoutMasterIdLst>
   <p:sldIdLst>
     <p:sldId id="1042" r:id="rId5"/>
     <p:sldId id="498" r:id="rId6"/>
-    <p:sldId id="2145706628" r:id="rId7"/>
-    <p:sldId id="2145706639" r:id="rId8"/>
-    <p:sldId id="2145706634" r:id="rId9"/>
-    <p:sldId id="2145706635" r:id="rId10"/>
-    <p:sldId id="2145706633" r:id="rId11"/>
-    <p:sldId id="2145706637" r:id="rId12"/>
-    <p:sldId id="2145706629" r:id="rId13"/>
-    <p:sldId id="2145706630" r:id="rId14"/>
-    <p:sldId id="2145706638" r:id="rId15"/>
-    <p:sldId id="2145706636" r:id="rId16"/>
-    <p:sldId id="2145706627" r:id="rId17"/>
+    <p:sldId id="2145706640" r:id="rId7"/>
+    <p:sldId id="2145706628" r:id="rId8"/>
+    <p:sldId id="2145706639" r:id="rId9"/>
+    <p:sldId id="2145706634" r:id="rId10"/>
+    <p:sldId id="2145706635" r:id="rId11"/>
+    <p:sldId id="2145706633" r:id="rId12"/>
+    <p:sldId id="2145706637" r:id="rId13"/>
+    <p:sldId id="2145706629" r:id="rId14"/>
+    <p:sldId id="2145706630" r:id="rId15"/>
+    <p:sldId id="2145706638" r:id="rId16"/>
+    <p:sldId id="2145706636" r:id="rId17"/>
+    <p:sldId id="2145706627" r:id="rId18"/>
   </p:sldIdLst>
   <p:sldSz cx="12192000" cy="6858000"/>
   <p:notesSz cx="6858000" cy="9144000"/>
   <p:embeddedFontLst>
     <p:embeddedFont>
       <p:font typeface="Segoe UI" panose="020B0502040204020203" pitchFamily="34" charset="0"/>
-      <p:regular r:id="rId20"/>
-      <p:bold r:id="rId21"/>
-      <p:italic r:id="rId22"/>
-      <p:boldItalic r:id="rId23"/>
+      <p:regular r:id="rId21"/>
+      <p:bold r:id="rId22"/>
+      <p:italic r:id="rId23"/>
+      <p:boldItalic r:id="rId24"/>
     </p:embeddedFont>
     <p:embeddedFont>
       <p:font typeface="Ubuntu" panose="020B0504030602030204" pitchFamily="34" charset="0"/>
-      <p:regular r:id="rId24"/>
-      <p:bold r:id="rId25"/>
-      <p:italic r:id="rId26"/>
-      <p:boldItalic r:id="rId27"/>
+      <p:regular r:id="rId25"/>
+      <p:bold r:id="rId26"/>
+      <p:italic r:id="rId27"/>
+      <p:boldItalic r:id="rId28"/>
     </p:embeddedFont>
     <p:embeddedFont>
       <p:font typeface="Ubuntu Light" panose="020B0304030602030204" pitchFamily="34" charset="0"/>
-      <p:regular r:id="rId28"/>
-      <p:italic r:id="rId29"/>
+      <p:regular r:id="rId29"/>
+      <p:italic r:id="rId30"/>
     </p:embeddedFont>
     <p:embeddedFont>
       <p:font typeface="Ubuntu Medium" panose="020B0604030602030204" pitchFamily="34" charset="0"/>
-      <p:regular r:id="rId30"/>
-      <p:italic r:id="rId31"/>
+      <p:regular r:id="rId31"/>
+      <p:italic r:id="rId32"/>
     </p:embeddedFont>
   </p:embeddedFontLst>
   <p:custDataLst>
-    <p:tags r:id="rId32"/>
+    <p:tags r:id="rId33"/>
   </p:custDataLst>
   <p:defaultTextStyle>
     <a:defPPr>
@@ -268,7 +269,7 @@
             <a:fld id="{86C988DC-9DE3-4390-97AB-D61B85DACE57}" type="datetimeFigureOut">
               <a:rPr lang="pt-PT" sz="900" smtClean="0"/>
               <a:pPr/>
-              <a:t>04/10/2022</a:t>
+              <a:t>06/10/2022</a:t>
             </a:fld>
             <a:endParaRPr lang="pt-PT" sz="900"/>
           </a:p>
@@ -447,7 +448,7 @@
             <a:fld id="{0835B8F7-DAC4-4931-8AED-4356A8B2FD64}" type="datetimeFigureOut">
               <a:rPr lang="pt-BR" smtClean="0"/>
               <a:pPr/>
-              <a:t>04/10/2022</a:t>
+              <a:t>06/10/2022</a:t>
             </a:fld>
             <a:endParaRPr lang="pt-BR"/>
           </a:p>
@@ -822,6 +823,9 @@
               <a:t>https://docker-curriculum.com/#hello-world</a:t>
             </a:r>
           </a:p>
+          <a:p>
+            <a:endParaRPr lang="nl-BE" dirty="0"/>
+          </a:p>
         </p:txBody>
       </p:sp>
       <p:sp>
@@ -842,7 +846,7 @@
             <a:fld id="{C0696B5C-12A0-4042-B4D0-BD3B9A4F58C6}" type="slidenum">
               <a:rPr lang="pt-BR" smtClean="0"/>
               <a:pPr/>
-              <a:t>8</a:t>
+              <a:t>9</a:t>
             </a:fld>
             <a:endParaRPr lang="pt-BR"/>
           </a:p>
@@ -927,7 +931,7 @@
             <a:fld id="{C0696B5C-12A0-4042-B4D0-BD3B9A4F58C6}" type="slidenum">
               <a:rPr lang="pt-BR" smtClean="0"/>
               <a:pPr/>
-              <a:t>13</a:t>
+              <a:t>14</a:t>
             </a:fld>
             <a:endParaRPr lang="pt-BR"/>
           </a:p>
@@ -19389,6 +19393,130 @@
           <p:cNvPr id="2" name="Title 1">
             <a:extLst>
               <a:ext uri="{FF2B5EF4-FFF2-40B4-BE49-F238E27FC236}">
+                <a16:creationId xmlns:a16="http://schemas.microsoft.com/office/drawing/2014/main" id="{0110CF00-6EB6-40AF-8380-193092F5E510}"/>
+              </a:ext>
+            </a:extLst>
+          </p:cNvPr>
+          <p:cNvSpPr>
+            <a:spLocks noGrp="1"/>
+          </p:cNvSpPr>
+          <p:nvPr>
+            <p:ph type="title"/>
+          </p:nvPr>
+        </p:nvSpPr>
+        <p:spPr/>
+        <p:txBody>
+          <a:bodyPr/>
+          <a:lstStyle/>
+          <a:p>
+            <a:r>
+              <a:rPr lang="en-US" dirty="0"/>
+              <a:t>Docker-compose</a:t>
+            </a:r>
+            <a:endParaRPr lang="nl-BE" dirty="0"/>
+          </a:p>
+        </p:txBody>
+      </p:sp>
+      <p:sp>
+        <p:nvSpPr>
+          <p:cNvPr id="3" name="Text Placeholder 2">
+            <a:extLst>
+              <a:ext uri="{FF2B5EF4-FFF2-40B4-BE49-F238E27FC236}">
+                <a16:creationId xmlns:a16="http://schemas.microsoft.com/office/drawing/2014/main" id="{FA1AEB3A-23C5-4F15-9E00-F1D789EC2127}"/>
+              </a:ext>
+            </a:extLst>
+          </p:cNvPr>
+          <p:cNvSpPr>
+            <a:spLocks noGrp="1"/>
+          </p:cNvSpPr>
+          <p:nvPr>
+            <p:ph type="body" sz="quarter" idx="10"/>
+          </p:nvPr>
+        </p:nvSpPr>
+        <p:spPr/>
+        <p:txBody>
+          <a:bodyPr/>
+          <a:lstStyle/>
+          <a:p>
+            <a:r>
+              <a:rPr lang="en-US" dirty="0"/>
+              <a:t>Multiple containers working together</a:t>
+            </a:r>
+            <a:endParaRPr lang="nl-BE" dirty="0"/>
+          </a:p>
+        </p:txBody>
+      </p:sp>
+      <p:pic>
+        <p:nvPicPr>
+          <p:cNvPr id="5" name="Picture 4" descr="Diagram&#10;&#10;Description automatically generated">
+            <a:extLst>
+              <a:ext uri="{FF2B5EF4-FFF2-40B4-BE49-F238E27FC236}">
+                <a16:creationId xmlns:a16="http://schemas.microsoft.com/office/drawing/2014/main" id="{0603F4D8-6658-4762-ABF4-C1B6872EEC51}"/>
+              </a:ext>
+            </a:extLst>
+          </p:cNvPr>
+          <p:cNvPicPr>
+            <a:picLocks noChangeAspect="1"/>
+          </p:cNvPicPr>
+          <p:nvPr/>
+        </p:nvPicPr>
+        <p:blipFill>
+          <a:blip r:embed="rId2">
+            <a:extLst>
+              <a:ext uri="{28A0092B-C50C-407E-A947-70E740481C1C}">
+                <a14:useLocalDpi xmlns:a14="http://schemas.microsoft.com/office/drawing/2010/main" val="0"/>
+              </a:ext>
+            </a:extLst>
+          </a:blip>
+          <a:stretch>
+            <a:fillRect/>
+          </a:stretch>
+        </p:blipFill>
+        <p:spPr>
+          <a:xfrm>
+            <a:off x="1631504" y="2234482"/>
+            <a:ext cx="8743950" cy="3448050"/>
+          </a:xfrm>
+          <a:prstGeom prst="rect">
+            <a:avLst/>
+          </a:prstGeom>
+        </p:spPr>
+      </p:pic>
+    </p:spTree>
+    <p:extLst>
+      <p:ext uri="{BB962C8B-B14F-4D97-AF65-F5344CB8AC3E}">
+        <p14:creationId xmlns:p14="http://schemas.microsoft.com/office/powerpoint/2010/main" val="82775942"/>
+      </p:ext>
+    </p:extLst>
+  </p:cSld>
+  <p:clrMapOvr>
+    <a:masterClrMapping/>
+  </p:clrMapOvr>
+</p:sld>
+</file>
+
+<file path=ppt/slides/slide11.xml><?xml version="1.0" encoding="utf-8"?>
+<p:sld xmlns:a="http://schemas.openxmlformats.org/drawingml/2006/main" xmlns:r="http://schemas.openxmlformats.org/officeDocument/2006/relationships" xmlns:p="http://schemas.openxmlformats.org/presentationml/2006/main">
+  <p:cSld>
+    <p:spTree>
+      <p:nvGrpSpPr>
+        <p:cNvPr id="1" name=""/>
+        <p:cNvGrpSpPr/>
+        <p:nvPr/>
+      </p:nvGrpSpPr>
+      <p:grpSpPr>
+        <a:xfrm>
+          <a:off x="0" y="0"/>
+          <a:ext cx="0" cy="0"/>
+          <a:chOff x="0" y="0"/>
+          <a:chExt cx="0" cy="0"/>
+        </a:xfrm>
+      </p:grpSpPr>
+      <p:sp>
+        <p:nvSpPr>
+          <p:cNvPr id="2" name="Title 1">
+            <a:extLst>
+              <a:ext uri="{FF2B5EF4-FFF2-40B4-BE49-F238E27FC236}">
                 <a16:creationId xmlns:a16="http://schemas.microsoft.com/office/drawing/2014/main" id="{E069FD7A-24B9-4D26-84EA-C7FF96D16ED5}"/>
               </a:ext>
             </a:extLst>
@@ -19620,7 +19748,7 @@
 </p:sld>
 </file>
 
-<file path=ppt/slides/slide11.xml><?xml version="1.0" encoding="utf-8"?>
+<file path=ppt/slides/slide12.xml><?xml version="1.0" encoding="utf-8"?>
 <p:sld xmlns:a="http://schemas.openxmlformats.org/drawingml/2006/main" xmlns:r="http://schemas.openxmlformats.org/officeDocument/2006/relationships" xmlns:p="http://schemas.openxmlformats.org/presentationml/2006/main">
   <p:cSld>
     <p:spTree>
@@ -19785,7 +19913,7 @@
 </p:sld>
 </file>
 
-<file path=ppt/slides/slide12.xml><?xml version="1.0" encoding="utf-8"?>
+<file path=ppt/slides/slide13.xml><?xml version="1.0" encoding="utf-8"?>
 <p:sld xmlns:a="http://schemas.openxmlformats.org/drawingml/2006/main" xmlns:r="http://schemas.openxmlformats.org/officeDocument/2006/relationships" xmlns:p="http://schemas.openxmlformats.org/presentationml/2006/main">
   <p:cSld>
     <p:spTree>
@@ -19874,7 +20002,7 @@
 </p:sld>
 </file>
 
-<file path=ppt/slides/slide13.xml><?xml version="1.0" encoding="utf-8"?>
+<file path=ppt/slides/slide14.xml><?xml version="1.0" encoding="utf-8"?>
 <p:sld xmlns:a="http://schemas.openxmlformats.org/drawingml/2006/main" xmlns:r="http://schemas.openxmlformats.org/officeDocument/2006/relationships" xmlns:p="http://schemas.openxmlformats.org/presentationml/2006/main">
   <p:cSld>
     <p:spTree>
@@ -20348,6 +20476,126 @@
 </file>
 
 <file path=ppt/slides/slide3.xml><?xml version="1.0" encoding="utf-8"?>
+<p:sld xmlns:a="http://schemas.openxmlformats.org/drawingml/2006/main" xmlns:r="http://schemas.openxmlformats.org/officeDocument/2006/relationships" xmlns:p="http://schemas.openxmlformats.org/presentationml/2006/main">
+  <p:cSld>
+    <p:spTree>
+      <p:nvGrpSpPr>
+        <p:cNvPr id="1" name=""/>
+        <p:cNvGrpSpPr/>
+        <p:nvPr/>
+      </p:nvGrpSpPr>
+      <p:grpSpPr>
+        <a:xfrm>
+          <a:off x="0" y="0"/>
+          <a:ext cx="0" cy="0"/>
+          <a:chOff x="0" y="0"/>
+          <a:chExt cx="0" cy="0"/>
+        </a:xfrm>
+      </p:grpSpPr>
+      <p:sp>
+        <p:nvSpPr>
+          <p:cNvPr id="2" name="Title 1">
+            <a:extLst>
+              <a:ext uri="{FF2B5EF4-FFF2-40B4-BE49-F238E27FC236}">
+                <a16:creationId xmlns:a16="http://schemas.microsoft.com/office/drawing/2014/main" id="{7C3A61C4-5E01-4839-9AB8-90E1BF523F2B}"/>
+              </a:ext>
+            </a:extLst>
+          </p:cNvPr>
+          <p:cNvSpPr>
+            <a:spLocks noGrp="1"/>
+          </p:cNvSpPr>
+          <p:nvPr>
+            <p:ph type="title"/>
+          </p:nvPr>
+        </p:nvSpPr>
+        <p:spPr/>
+        <p:txBody>
+          <a:bodyPr/>
+          <a:lstStyle/>
+          <a:p>
+            <a:r>
+              <a:rPr lang="en-US" dirty="0"/>
+              <a:t>Docker is growing</a:t>
+            </a:r>
+            <a:endParaRPr lang="nl-BE" dirty="0"/>
+          </a:p>
+        </p:txBody>
+      </p:sp>
+      <p:sp>
+        <p:nvSpPr>
+          <p:cNvPr id="3" name="Text Placeholder 2">
+            <a:extLst>
+              <a:ext uri="{FF2B5EF4-FFF2-40B4-BE49-F238E27FC236}">
+                <a16:creationId xmlns:a16="http://schemas.microsoft.com/office/drawing/2014/main" id="{E95F6F4F-BDC0-42DB-9714-B37F88DD029D}"/>
+              </a:ext>
+            </a:extLst>
+          </p:cNvPr>
+          <p:cNvSpPr>
+            <a:spLocks noGrp="1"/>
+          </p:cNvSpPr>
+          <p:nvPr>
+            <p:ph type="body" sz="quarter" idx="10"/>
+          </p:nvPr>
+        </p:nvSpPr>
+        <p:spPr/>
+        <p:txBody>
+          <a:bodyPr/>
+          <a:lstStyle/>
+          <a:p>
+            <a:endParaRPr lang="nl-BE" dirty="0"/>
+          </a:p>
+        </p:txBody>
+      </p:sp>
+      <p:pic>
+        <p:nvPicPr>
+          <p:cNvPr id="5" name="Picture 4" descr="Logo, company name&#10;&#10;Description automatically generated">
+            <a:extLst>
+              <a:ext uri="{FF2B5EF4-FFF2-40B4-BE49-F238E27FC236}">
+                <a16:creationId xmlns:a16="http://schemas.microsoft.com/office/drawing/2014/main" id="{172F108B-1A41-4D27-A25A-89E9D53F9A08}"/>
+              </a:ext>
+            </a:extLst>
+          </p:cNvPr>
+          <p:cNvPicPr>
+            <a:picLocks noChangeAspect="1"/>
+          </p:cNvPicPr>
+          <p:nvPr/>
+        </p:nvPicPr>
+        <p:blipFill>
+          <a:blip r:embed="rId2">
+            <a:extLst>
+              <a:ext uri="{28A0092B-C50C-407E-A947-70E740481C1C}">
+                <a14:useLocalDpi xmlns:a14="http://schemas.microsoft.com/office/drawing/2010/main" val="0"/>
+              </a:ext>
+            </a:extLst>
+          </a:blip>
+          <a:stretch>
+            <a:fillRect/>
+          </a:stretch>
+        </p:blipFill>
+        <p:spPr>
+          <a:xfrm>
+            <a:off x="1902793" y="1168605"/>
+            <a:ext cx="7951812" cy="5301208"/>
+          </a:xfrm>
+          <a:prstGeom prst="rect">
+            <a:avLst/>
+          </a:prstGeom>
+        </p:spPr>
+      </p:pic>
+    </p:spTree>
+    <p:extLst>
+      <p:ext uri="{BB962C8B-B14F-4D97-AF65-F5344CB8AC3E}">
+        <p14:creationId xmlns:p14="http://schemas.microsoft.com/office/powerpoint/2010/main" val="103012804"/>
+      </p:ext>
+    </p:extLst>
+  </p:cSld>
+  <p:clrMapOvr>
+    <a:masterClrMapping/>
+  </p:clrMapOvr>
+</p:sld>
+</file>
+
+<file path=ppt/slides/slide4.xml><?xml version="1.0" encoding="utf-8"?>
 <p:sld xmlns:a="http://schemas.openxmlformats.org/drawingml/2006/main" xmlns:r="http://schemas.openxmlformats.org/officeDocument/2006/relationships" xmlns:p="http://schemas.openxmlformats.org/presentationml/2006/main">
   <p:cSld>
     <p:spTree>
@@ -20581,7 +20829,7 @@
 </p:sld>
 </file>
 
-<file path=ppt/slides/slide4.xml><?xml version="1.0" encoding="utf-8"?>
+<file path=ppt/slides/slide5.xml><?xml version="1.0" encoding="utf-8"?>
 <p:sld xmlns:a="http://schemas.openxmlformats.org/drawingml/2006/main" xmlns:r="http://schemas.openxmlformats.org/officeDocument/2006/relationships" xmlns:p="http://schemas.openxmlformats.org/presentationml/2006/main">
   <p:cSld>
     <p:spTree>
@@ -20674,7 +20922,7 @@
             </a:pPr>
             <a:r>
               <a:rPr lang="en-US" dirty="0"/>
-              <a:t>Only see their own “file system”</a:t>
+              <a:t>Only see their own “file system (app/libs)”, not the host filesystem</a:t>
             </a:r>
           </a:p>
           <a:p>
@@ -20694,7 +20942,7 @@
             </a:pPr>
             <a:r>
               <a:rPr lang="en-US" dirty="0"/>
-              <a:t>Use their own networking (internal – bridged - host)</a:t>
+              <a:t>Use their own networking (internal – bridged (default) – host- overlay)</a:t>
             </a:r>
           </a:p>
           <a:p>
@@ -20704,7 +20952,7 @@
             </a:pPr>
             <a:r>
               <a:rPr lang="en-US" dirty="0"/>
-              <a:t>Docker engine will forward kernel call to the Host OS kernel</a:t>
+              <a:t>Docker engine will forward kernel calls to the Host OS kernel</a:t>
             </a:r>
           </a:p>
           <a:p>
@@ -20746,7 +20994,7 @@
 </p:sld>
 </file>
 
-<file path=ppt/slides/slide5.xml><?xml version="1.0" encoding="utf-8"?>
+<file path=ppt/slides/slide6.xml><?xml version="1.0" encoding="utf-8"?>
 <p:sld xmlns:a="http://schemas.openxmlformats.org/drawingml/2006/main" xmlns:r="http://schemas.openxmlformats.org/officeDocument/2006/relationships" xmlns:p="http://schemas.openxmlformats.org/presentationml/2006/main">
   <p:cSld>
     <p:spTree>
@@ -21488,7 +21736,7 @@
 </p:sld>
 </file>
 
-<file path=ppt/slides/slide6.xml><?xml version="1.0" encoding="utf-8"?>
+<file path=ppt/slides/slide7.xml><?xml version="1.0" encoding="utf-8"?>
 <p:sld xmlns:a="http://schemas.openxmlformats.org/drawingml/2006/main" xmlns:r="http://schemas.openxmlformats.org/officeDocument/2006/relationships" xmlns:p="http://schemas.openxmlformats.org/presentationml/2006/main">
   <p:cSld>
     <p:spTree>
@@ -21608,7 +21856,7 @@
 </p:sld>
 </file>
 
-<file path=ppt/slides/slide7.xml><?xml version="1.0" encoding="utf-8"?>
+<file path=ppt/slides/slide8.xml><?xml version="1.0" encoding="utf-8"?>
 <p:sld xmlns:a="http://schemas.openxmlformats.org/drawingml/2006/main" xmlns:r="http://schemas.openxmlformats.org/officeDocument/2006/relationships" xmlns:p="http://schemas.openxmlformats.org/presentationml/2006/main">
   <p:cSld>
     <p:spTree>
@@ -21795,7 +22043,7 @@
 </p:sld>
 </file>
 
-<file path=ppt/slides/slide8.xml><?xml version="1.0" encoding="utf-8"?>
+<file path=ppt/slides/slide9.xml><?xml version="1.0" encoding="utf-8"?>
 <p:sld xmlns:a="http://schemas.openxmlformats.org/drawingml/2006/main" xmlns:r="http://schemas.openxmlformats.org/officeDocument/2006/relationships" xmlns:p="http://schemas.openxmlformats.org/presentationml/2006/main">
   <p:cSld>
     <p:spTree>
@@ -22032,130 +22280,6 @@
     <p:extLst>
       <p:ext uri="{BB962C8B-B14F-4D97-AF65-F5344CB8AC3E}">
         <p14:creationId xmlns:p14="http://schemas.microsoft.com/office/powerpoint/2010/main" val="553075396"/>
-      </p:ext>
-    </p:extLst>
-  </p:cSld>
-  <p:clrMapOvr>
-    <a:masterClrMapping/>
-  </p:clrMapOvr>
-</p:sld>
-</file>
-
-<file path=ppt/slides/slide9.xml><?xml version="1.0" encoding="utf-8"?>
-<p:sld xmlns:a="http://schemas.openxmlformats.org/drawingml/2006/main" xmlns:r="http://schemas.openxmlformats.org/officeDocument/2006/relationships" xmlns:p="http://schemas.openxmlformats.org/presentationml/2006/main">
-  <p:cSld>
-    <p:spTree>
-      <p:nvGrpSpPr>
-        <p:cNvPr id="1" name=""/>
-        <p:cNvGrpSpPr/>
-        <p:nvPr/>
-      </p:nvGrpSpPr>
-      <p:grpSpPr>
-        <a:xfrm>
-          <a:off x="0" y="0"/>
-          <a:ext cx="0" cy="0"/>
-          <a:chOff x="0" y="0"/>
-          <a:chExt cx="0" cy="0"/>
-        </a:xfrm>
-      </p:grpSpPr>
-      <p:sp>
-        <p:nvSpPr>
-          <p:cNvPr id="2" name="Title 1">
-            <a:extLst>
-              <a:ext uri="{FF2B5EF4-FFF2-40B4-BE49-F238E27FC236}">
-                <a16:creationId xmlns:a16="http://schemas.microsoft.com/office/drawing/2014/main" id="{0110CF00-6EB6-40AF-8380-193092F5E510}"/>
-              </a:ext>
-            </a:extLst>
-          </p:cNvPr>
-          <p:cNvSpPr>
-            <a:spLocks noGrp="1"/>
-          </p:cNvSpPr>
-          <p:nvPr>
-            <p:ph type="title"/>
-          </p:nvPr>
-        </p:nvSpPr>
-        <p:spPr/>
-        <p:txBody>
-          <a:bodyPr/>
-          <a:lstStyle/>
-          <a:p>
-            <a:r>
-              <a:rPr lang="en-US" dirty="0"/>
-              <a:t>Docker-compose</a:t>
-            </a:r>
-            <a:endParaRPr lang="nl-BE" dirty="0"/>
-          </a:p>
-        </p:txBody>
-      </p:sp>
-      <p:sp>
-        <p:nvSpPr>
-          <p:cNvPr id="3" name="Text Placeholder 2">
-            <a:extLst>
-              <a:ext uri="{FF2B5EF4-FFF2-40B4-BE49-F238E27FC236}">
-                <a16:creationId xmlns:a16="http://schemas.microsoft.com/office/drawing/2014/main" id="{FA1AEB3A-23C5-4F15-9E00-F1D789EC2127}"/>
-              </a:ext>
-            </a:extLst>
-          </p:cNvPr>
-          <p:cNvSpPr>
-            <a:spLocks noGrp="1"/>
-          </p:cNvSpPr>
-          <p:nvPr>
-            <p:ph type="body" sz="quarter" idx="10"/>
-          </p:nvPr>
-        </p:nvSpPr>
-        <p:spPr/>
-        <p:txBody>
-          <a:bodyPr/>
-          <a:lstStyle/>
-          <a:p>
-            <a:r>
-              <a:rPr lang="en-US" dirty="0"/>
-              <a:t>Multiple containers working together</a:t>
-            </a:r>
-            <a:endParaRPr lang="nl-BE" dirty="0"/>
-          </a:p>
-        </p:txBody>
-      </p:sp>
-      <p:pic>
-        <p:nvPicPr>
-          <p:cNvPr id="5" name="Picture 4" descr="Diagram&#10;&#10;Description automatically generated">
-            <a:extLst>
-              <a:ext uri="{FF2B5EF4-FFF2-40B4-BE49-F238E27FC236}">
-                <a16:creationId xmlns:a16="http://schemas.microsoft.com/office/drawing/2014/main" id="{0603F4D8-6658-4762-ABF4-C1B6872EEC51}"/>
-              </a:ext>
-            </a:extLst>
-          </p:cNvPr>
-          <p:cNvPicPr>
-            <a:picLocks noChangeAspect="1"/>
-          </p:cNvPicPr>
-          <p:nvPr/>
-        </p:nvPicPr>
-        <p:blipFill>
-          <a:blip r:embed="rId2">
-            <a:extLst>
-              <a:ext uri="{28A0092B-C50C-407E-A947-70E740481C1C}">
-                <a14:useLocalDpi xmlns:a14="http://schemas.microsoft.com/office/drawing/2010/main" val="0"/>
-              </a:ext>
-            </a:extLst>
-          </a:blip>
-          <a:stretch>
-            <a:fillRect/>
-          </a:stretch>
-        </p:blipFill>
-        <p:spPr>
-          <a:xfrm>
-            <a:off x="1631504" y="2234482"/>
-            <a:ext cx="8743950" cy="3448050"/>
-          </a:xfrm>
-          <a:prstGeom prst="rect">
-            <a:avLst/>
-          </a:prstGeom>
-        </p:spPr>
-      </p:pic>
-    </p:spTree>
-    <p:extLst>
-      <p:ext uri="{BB962C8B-B14F-4D97-AF65-F5344CB8AC3E}">
-        <p14:creationId xmlns:p14="http://schemas.microsoft.com/office/powerpoint/2010/main" val="82775942"/>
       </p:ext>
     </p:extLst>
   </p:cSld>
@@ -22927,21 +23051,21 @@
 </file>
 
 <file path=customXml/item1.xml><?xml version="1.0" encoding="utf-8"?>
+<p:properties xmlns:p="http://schemas.microsoft.com/office/2006/metadata/properties" xmlns:xsi="http://www.w3.org/2001/XMLSchema-instance" xmlns:pc="http://schemas.microsoft.com/office/infopath/2007/PartnerControls">
+  <documentManagement>
+    <Entity xmlns="f1122fed-4606-4ec8-90ef-13536176a38c">Capgemini Group</Entity>
+    <Classification xmlns="f1122fed-4606-4ec8-90ef-13536176a38c">Company Public (Sec 0)</Classification>
+  </documentManagement>
+</p:properties>
+</file>
+
+<file path=customXml/item2.xml><?xml version="1.0" encoding="utf-8"?>
 <?mso-contentType ?>
 <FormTemplates xmlns="http://schemas.microsoft.com/sharepoint/v3/contenttype/forms">
   <Display>DocumentLibraryForm</Display>
   <Edit>DocumentLibraryForm</Edit>
   <New>DocumentLibraryForm</New>
 </FormTemplates>
-</file>
-
-<file path=customXml/item2.xml><?xml version="1.0" encoding="utf-8"?>
-<p:properties xmlns:p="http://schemas.microsoft.com/office/2006/metadata/properties" xmlns:xsi="http://www.w3.org/2001/XMLSchema-instance" xmlns:pc="http://schemas.microsoft.com/office/infopath/2007/PartnerControls">
-  <documentManagement>
-    <Entity xmlns="f1122fed-4606-4ec8-90ef-13536176a38c">Capgemini Group</Entity>
-    <Classification xmlns="f1122fed-4606-4ec8-90ef-13536176a38c">Company Public (Sec 0)</Classification>
-  </documentManagement>
-</p:properties>
 </file>
 
 <file path=customXml/item3.xml><?xml version="1.0" encoding="utf-8"?>
@@ -23151,14 +23275,6 @@
 </file>
 
 <file path=customXml/itemProps1.xml><?xml version="1.0" encoding="utf-8"?>
-<ds:datastoreItem xmlns:ds="http://schemas.openxmlformats.org/officeDocument/2006/customXml" ds:itemID="{93B09ECE-D1C0-42A5-B69E-8C88764DB9F3}">
-  <ds:schemaRefs>
-    <ds:schemaRef ds:uri="http://schemas.microsoft.com/sharepoint/v3/contenttype/forms"/>
-  </ds:schemaRefs>
-</ds:datastoreItem>
-</file>
-
-<file path=customXml/itemProps2.xml><?xml version="1.0" encoding="utf-8"?>
 <ds:datastoreItem xmlns:ds="http://schemas.openxmlformats.org/officeDocument/2006/customXml" ds:itemID="{8765F6DA-EDFD-4C3F-B2EB-EDE359E124E2}">
   <ds:schemaRefs>
     <ds:schemaRef ds:uri="http://schemas.microsoft.com/office/2006/documentManagement/types"/>
@@ -23172,6 +23288,14 @@
     <ds:schemaRef ds:uri="http://www.w3.org/XML/1998/namespace"/>
     <ds:schemaRef ds:uri="http://purl.org/dc/terms/"/>
     <ds:schemaRef ds:uri="f1122fed-4606-4ec8-90ef-13536176a38c"/>
+  </ds:schemaRefs>
+</ds:datastoreItem>
+</file>
+
+<file path=customXml/itemProps2.xml><?xml version="1.0" encoding="utf-8"?>
+<ds:datastoreItem xmlns:ds="http://schemas.openxmlformats.org/officeDocument/2006/customXml" ds:itemID="{93B09ECE-D1C0-42A5-B69E-8C88764DB9F3}">
+  <ds:schemaRefs>
+    <ds:schemaRef ds:uri="http://schemas.microsoft.com/sharepoint/v3/contenttype/forms"/>
   </ds:schemaRefs>
 </ds:datastoreItem>
 </file>
